--- a/S6_PROYECTO_01 - Comunicacion entre nodos/Grupo1_-_Comunicación_Nodos_(Pantallas).pptx
+++ b/S6_PROYECTO_01 - Comunicacion entre nodos/Grupo1_-_Comunicación_Nodos_(Pantallas).pptx
@@ -7725,58 +7725,6 @@
               <a:rPr lang="es-ES" dirty="0"/>
               <a:t>CONEXIONES</a:t>
             </a:r>
-          </a:p>
-        </p:txBody>
-      </p:sp>
-      <p:sp>
-        <p:nvSpPr>
-          <p:cNvPr id="5" name="Rectángulo 4">
-            <a:extLst>
-              <a:ext uri="{FF2B5EF4-FFF2-40B4-BE49-F238E27FC236}">
-                <a16:creationId xmlns:a16="http://schemas.microsoft.com/office/drawing/2014/main" id="{20BC979C-5980-2959-D65C-68CC073DF175}"/>
-              </a:ext>
-            </a:extLst>
-          </p:cNvPr>
-          <p:cNvSpPr/>
-          <p:nvPr/>
-        </p:nvSpPr>
-        <p:spPr>
-          <a:xfrm>
-            <a:off x="0" y="1262920"/>
-            <a:ext cx="720011" cy="251555"/>
-          </a:xfrm>
-          <a:prstGeom prst="rect">
-            <a:avLst/>
-          </a:prstGeom>
-          <a:solidFill>
-            <a:srgbClr val="FF0000"/>
-          </a:solidFill>
-          <a:ln>
-            <a:noFill/>
-          </a:ln>
-        </p:spPr>
-        <p:style>
-          <a:lnRef idx="2">
-            <a:schemeClr val="accent3">
-              <a:shade val="50000"/>
-            </a:schemeClr>
-          </a:lnRef>
-          <a:fillRef idx="1">
-            <a:schemeClr val="accent3"/>
-          </a:fillRef>
-          <a:effectRef idx="0">
-            <a:schemeClr val="accent3"/>
-          </a:effectRef>
-          <a:fontRef idx="minor">
-            <a:schemeClr val="lt1"/>
-          </a:fontRef>
-        </p:style>
-        <p:txBody>
-          <a:bodyPr rtlCol="0" anchor="ctr"/>
-          <a:lstStyle/>
-          <a:p>
-            <a:pPr algn="ctr"/>
-            <a:endParaRPr lang="es-ES"/>
           </a:p>
         </p:txBody>
       </p:sp>
